--- a/tut08_slides.pptx
+++ b/tut08_slides.pptx
@@ -16,6 +16,8 @@
     <p:sldId id="271" r:id="rId10"/>
     <p:sldId id="272" r:id="rId11"/>
     <p:sldId id="273" r:id="rId12"/>
+    <p:sldId id="274" r:id="rId13"/>
+    <p:sldId id="275" r:id="rId14"/>
   </p:sldIdLst>
   <p:sldSz cx="12192000" cy="6858000"/>
   <p:notesSz cx="6858000" cy="9144000"/>
@@ -292,7 +294,7 @@
             <a:fld id="{87DE6118-2437-4B30-8E3C-4D2BE6020583}" type="datetimeFigureOut">
               <a:rPr lang="en-US" dirty="0"/>
               <a:pPr/>
-              <a:t>11/9/21</a:t>
+              <a:t>11/10/21</a:t>
             </a:fld>
             <a:endParaRPr lang="en-US" dirty="0"/>
           </a:p>
@@ -618,7 +620,7 @@
           <a:p>
             <a:fld id="{87DE6118-2437-4B30-8E3C-4D2BE6020583}" type="datetimeFigureOut">
               <a:rPr lang="en-US" dirty="0"/>
-              <a:t>11/9/21</a:t>
+              <a:t>11/10/21</a:t>
             </a:fld>
             <a:endParaRPr lang="en-US" dirty="0"/>
           </a:p>
@@ -793,7 +795,7 @@
           <a:p>
             <a:fld id="{87DE6118-2437-4B30-8E3C-4D2BE6020583}" type="datetimeFigureOut">
               <a:rPr lang="en-US" dirty="0"/>
-              <a:t>11/9/21</a:t>
+              <a:t>11/10/21</a:t>
             </a:fld>
             <a:endParaRPr lang="en-US" dirty="0"/>
           </a:p>
@@ -958,7 +960,7 @@
           <a:p>
             <a:fld id="{87DE6118-2437-4B30-8E3C-4D2BE6020583}" type="datetimeFigureOut">
               <a:rPr lang="en-US" dirty="0"/>
-              <a:t>11/9/21</a:t>
+              <a:t>11/10/21</a:t>
             </a:fld>
             <a:endParaRPr lang="en-US" dirty="0"/>
           </a:p>
@@ -1231,7 +1233,7 @@
             <a:fld id="{87DE6118-2437-4B30-8E3C-4D2BE6020583}" type="datetimeFigureOut">
               <a:rPr lang="en-US" dirty="0"/>
               <a:pPr/>
-              <a:t>11/9/21</a:t>
+              <a:t>11/10/21</a:t>
             </a:fld>
             <a:endParaRPr lang="en-US" dirty="0"/>
           </a:p>
@@ -1621,7 +1623,7 @@
           <a:p>
             <a:fld id="{87DE6118-2437-4B30-8E3C-4D2BE6020583}" type="datetimeFigureOut">
               <a:rPr lang="en-US" dirty="0"/>
-              <a:t>11/9/21</a:t>
+              <a:t>11/10/21</a:t>
             </a:fld>
             <a:endParaRPr lang="en-US" dirty="0"/>
           </a:p>
@@ -2093,7 +2095,7 @@
           <a:p>
             <a:fld id="{87DE6118-2437-4B30-8E3C-4D2BE6020583}" type="datetimeFigureOut">
               <a:rPr lang="en-US" dirty="0"/>
-              <a:t>11/9/21</a:t>
+              <a:t>11/10/21</a:t>
             </a:fld>
             <a:endParaRPr lang="en-US" dirty="0"/>
           </a:p>
@@ -2206,7 +2208,7 @@
           <a:p>
             <a:fld id="{87DE6118-2437-4B30-8E3C-4D2BE6020583}" type="datetimeFigureOut">
               <a:rPr lang="en-US" dirty="0"/>
-              <a:t>11/9/21</a:t>
+              <a:t>11/10/21</a:t>
             </a:fld>
             <a:endParaRPr lang="en-US" dirty="0"/>
           </a:p>
@@ -2296,7 +2298,7 @@
           <a:p>
             <a:fld id="{87DE6118-2437-4B30-8E3C-4D2BE6020583}" type="datetimeFigureOut">
               <a:rPr lang="en-US" dirty="0"/>
-              <a:t>11/9/21</a:t>
+              <a:t>11/10/21</a:t>
             </a:fld>
             <a:endParaRPr lang="en-US" dirty="0"/>
           </a:p>
@@ -2638,7 +2640,7 @@
             <a:fld id="{87DE6118-2437-4B30-8E3C-4D2BE6020583}" type="datetimeFigureOut">
               <a:rPr lang="en-US" dirty="0"/>
               <a:pPr/>
-              <a:t>11/9/21</a:t>
+              <a:t>11/10/21</a:t>
             </a:fld>
             <a:endParaRPr lang="en-US" dirty="0"/>
           </a:p>
@@ -3023,7 +3025,7 @@
             <a:fld id="{87DE6118-2437-4B30-8E3C-4D2BE6020583}" type="datetimeFigureOut">
               <a:rPr lang="en-US" dirty="0"/>
               <a:pPr/>
-              <a:t>11/9/21</a:t>
+              <a:t>11/10/21</a:t>
             </a:fld>
             <a:endParaRPr lang="en-US" dirty="0"/>
           </a:p>
@@ -3298,7 +3300,7 @@
             <a:fld id="{87DE6118-2437-4B30-8E3C-4D2BE6020583}" type="datetimeFigureOut">
               <a:rPr lang="en-US" dirty="0"/>
               <a:pPr/>
-              <a:t>11/9/21</a:t>
+              <a:t>11/10/21</a:t>
             </a:fld>
             <a:endParaRPr lang="en-US" dirty="0"/>
           </a:p>
@@ -4895,6 +4897,176 @@
 </p:sld>
 </file>
 
+<file path=ppt/slides/slide12.xml><?xml version="1.0" encoding="utf-8"?>
+<p:sld xmlns:a="http://schemas.openxmlformats.org/drawingml/2006/main" xmlns:r="http://schemas.openxmlformats.org/officeDocument/2006/relationships" xmlns:p="http://schemas.openxmlformats.org/presentationml/2006/main">
+  <p:cSld>
+    <p:spTree>
+      <p:nvGrpSpPr>
+        <p:cNvPr id="1" name=""/>
+        <p:cNvGrpSpPr/>
+        <p:nvPr/>
+      </p:nvGrpSpPr>
+      <p:grpSpPr>
+        <a:xfrm>
+          <a:off x="0" y="0"/>
+          <a:ext cx="0" cy="0"/>
+          <a:chOff x="0" y="0"/>
+          <a:chExt cx="0" cy="0"/>
+        </a:xfrm>
+      </p:grpSpPr>
+    </p:spTree>
+    <p:extLst>
+      <p:ext uri="{BB962C8B-B14F-4D97-AF65-F5344CB8AC3E}">
+        <p14:creationId xmlns:p14="http://schemas.microsoft.com/office/powerpoint/2010/main" val="2593151558"/>
+      </p:ext>
+    </p:extLst>
+  </p:cSld>
+  <p:clrMapOvr>
+    <a:masterClrMapping/>
+  </p:clrMapOvr>
+</p:sld>
+</file>
+
+<file path=ppt/slides/slide13.xml><?xml version="1.0" encoding="utf-8"?>
+<p:sld xmlns:a="http://schemas.openxmlformats.org/drawingml/2006/main" xmlns:r="http://schemas.openxmlformats.org/officeDocument/2006/relationships" xmlns:p="http://schemas.openxmlformats.org/presentationml/2006/main">
+  <p:cSld>
+    <p:spTree>
+      <p:nvGrpSpPr>
+        <p:cNvPr id="1" name=""/>
+        <p:cNvGrpSpPr/>
+        <p:nvPr/>
+      </p:nvGrpSpPr>
+      <p:grpSpPr>
+        <a:xfrm>
+          <a:off x="0" y="0"/>
+          <a:ext cx="0" cy="0"/>
+          <a:chOff x="0" y="0"/>
+          <a:chExt cx="0" cy="0"/>
+        </a:xfrm>
+      </p:grpSpPr>
+      <p:sp>
+        <p:nvSpPr>
+          <p:cNvPr id="2" name="Title 1">
+            <a:extLst>
+              <a:ext uri="{FF2B5EF4-FFF2-40B4-BE49-F238E27FC236}">
+                <a16:creationId xmlns:a16="http://schemas.microsoft.com/office/drawing/2014/main" id="{AC3A9106-5CA0-DF41-B036-982FA67DC08C}"/>
+              </a:ext>
+            </a:extLst>
+          </p:cNvPr>
+          <p:cNvSpPr>
+            <a:spLocks noGrp="1"/>
+          </p:cNvSpPr>
+          <p:nvPr>
+            <p:ph type="title"/>
+          </p:nvPr>
+        </p:nvSpPr>
+        <p:spPr/>
+        <p:txBody>
+          <a:bodyPr/>
+          <a:lstStyle/>
+          <a:p>
+            <a:r>
+              <a:rPr lang="en-US" dirty="0"/>
+              <a:t>Quiz Question</a:t>
+            </a:r>
+          </a:p>
+        </p:txBody>
+      </p:sp>
+      <p:sp>
+        <p:nvSpPr>
+          <p:cNvPr id="3" name="Content Placeholder 2">
+            <a:extLst>
+              <a:ext uri="{FF2B5EF4-FFF2-40B4-BE49-F238E27FC236}">
+                <a16:creationId xmlns:a16="http://schemas.microsoft.com/office/drawing/2014/main" id="{63A7766A-F97E-654A-B380-C2E2256599B1}"/>
+              </a:ext>
+            </a:extLst>
+          </p:cNvPr>
+          <p:cNvSpPr>
+            <a:spLocks noGrp="1"/>
+          </p:cNvSpPr>
+          <p:nvPr>
+            <p:ph idx="1"/>
+          </p:nvPr>
+        </p:nvSpPr>
+        <p:spPr/>
+        <p:txBody>
+          <a:bodyPr/>
+          <a:lstStyle/>
+          <a:p>
+            <a:r>
+              <a:rPr lang="en-US" dirty="0"/>
+              <a:t>Write a function called </a:t>
+            </a:r>
+            <a:r>
+              <a:rPr lang="en-US" i="1" dirty="0"/>
+              <a:t>palindrome</a:t>
+            </a:r>
+            <a:r>
+              <a:rPr lang="en-US" dirty="0"/>
+              <a:t> that takes in a string and returns True if the string is a palindrome, and False if it isn’t.</a:t>
+            </a:r>
+            <a:br>
+              <a:rPr lang="en-US" dirty="0"/>
+            </a:br>
+            <a:br>
+              <a:rPr lang="en-US" dirty="0"/>
+            </a:br>
+            <a:r>
+              <a:rPr lang="en-US" dirty="0"/>
+              <a:t>Examples:</a:t>
+            </a:r>
+            <a:br>
+              <a:rPr lang="en-US" dirty="0"/>
+            </a:br>
+            <a:r>
+              <a:rPr lang="en-US" dirty="0">
+                <a:latin typeface="Consolas" panose="020B0609020204030204" pitchFamily="49" charset="0"/>
+                <a:cs typeface="Consolas" panose="020B0609020204030204" pitchFamily="49" charset="0"/>
+              </a:rPr>
+              <a:t>palindrome(‘civic’) -&gt; True</a:t>
+            </a:r>
+            <a:br>
+              <a:rPr lang="en-US" dirty="0">
+                <a:latin typeface="Consolas" panose="020B0609020204030204" pitchFamily="49" charset="0"/>
+                <a:cs typeface="Consolas" panose="020B0609020204030204" pitchFamily="49" charset="0"/>
+              </a:rPr>
+            </a:br>
+            <a:r>
+              <a:rPr lang="en-US" dirty="0">
+                <a:latin typeface="Consolas" panose="020B0609020204030204" pitchFamily="49" charset="0"/>
+                <a:cs typeface="Consolas" panose="020B0609020204030204" pitchFamily="49" charset="0"/>
+              </a:rPr>
+              <a:t>palindrome(‘racecar’) -&gt; True</a:t>
+            </a:r>
+            <a:br>
+              <a:rPr lang="en-US" dirty="0">
+                <a:latin typeface="Consolas" panose="020B0609020204030204" pitchFamily="49" charset="0"/>
+                <a:cs typeface="Consolas" panose="020B0609020204030204" pitchFamily="49" charset="0"/>
+              </a:rPr>
+            </a:br>
+            <a:r>
+              <a:rPr lang="en-US" dirty="0">
+                <a:latin typeface="Consolas" panose="020B0609020204030204" pitchFamily="49" charset="0"/>
+                <a:cs typeface="Consolas" panose="020B0609020204030204" pitchFamily="49" charset="0"/>
+              </a:rPr>
+              <a:t>palindrome(‘hello’) -&gt; False</a:t>
+            </a:r>
+          </a:p>
+        </p:txBody>
+      </p:sp>
+    </p:spTree>
+    <p:extLst>
+      <p:ext uri="{BB962C8B-B14F-4D97-AF65-F5344CB8AC3E}">
+        <p14:creationId xmlns:p14="http://schemas.microsoft.com/office/powerpoint/2010/main" val="2008040201"/>
+      </p:ext>
+    </p:extLst>
+  </p:cSld>
+  <p:clrMapOvr>
+    <a:masterClrMapping/>
+  </p:clrMapOvr>
+</p:sld>
+</file>
+
 <file path=ppt/slides/slide2.xml><?xml version="1.0" encoding="utf-8"?>
 <p:sld xmlns:a="http://schemas.openxmlformats.org/drawingml/2006/main" xmlns:r="http://schemas.openxmlformats.org/officeDocument/2006/relationships" xmlns:p="http://schemas.openxmlformats.org/presentationml/2006/main">
   <p:cSld>
